--- a/WesternCybersecurity.pptx
+++ b/WesternCybersecurity.pptx
@@ -14,18 +14,18 @@
     <p:sldId id="273" r:id="rId5"/>
     <p:sldId id="257" r:id="rId6"/>
     <p:sldId id="258" r:id="rId7"/>
-    <p:sldId id="277" r:id="rId8"/>
-    <p:sldId id="278" r:id="rId9"/>
-    <p:sldId id="279" r:id="rId10"/>
-    <p:sldId id="280" r:id="rId11"/>
-    <p:sldId id="281" r:id="rId12"/>
-    <p:sldId id="282" r:id="rId13"/>
-    <p:sldId id="283" r:id="rId14"/>
-    <p:sldId id="284" r:id="rId15"/>
-    <p:sldId id="285" r:id="rId16"/>
-    <p:sldId id="286" r:id="rId17"/>
-    <p:sldId id="275" r:id="rId18"/>
-    <p:sldId id="276" r:id="rId19"/>
+    <p:sldId id="275" r:id="rId8"/>
+    <p:sldId id="276" r:id="rId9"/>
+    <p:sldId id="277" r:id="rId10"/>
+    <p:sldId id="278" r:id="rId11"/>
+    <p:sldId id="279" r:id="rId12"/>
+    <p:sldId id="280" r:id="rId13"/>
+    <p:sldId id="281" r:id="rId14"/>
+    <p:sldId id="282" r:id="rId15"/>
+    <p:sldId id="283" r:id="rId16"/>
+    <p:sldId id="284" r:id="rId17"/>
+    <p:sldId id="285" r:id="rId18"/>
+    <p:sldId id="286" r:id="rId19"/>
     <p:sldId id="267" r:id="rId20"/>
     <p:sldId id="270" r:id="rId21"/>
     <p:sldId id="259" r:id="rId22"/>
@@ -227,7 +227,7 @@
           <a:p>
             <a:fld id="{37746887-570D-4DC8-848D-E34C84FE2367}" type="datetimeFigureOut">
               <a:rPr lang="ko-KR" altLang="en-US" smtClean="0"/>
-              <a:t>2016-09-30</a:t>
+              <a:t>2016-10-01</a:t>
             </a:fld>
             <a:endParaRPr lang="ko-KR" altLang="en-US"/>
           </a:p>
@@ -539,6 +539,48 @@
           <a:bodyPr/>
           <a:lstStyle/>
           <a:p>
+            <a:r>
+              <a:rPr lang="en-CA" sz="1200" b="0" i="0" kern="1200" dirty="0">
+                <a:solidFill>
+                  <a:schemeClr val="tx1"/>
+                </a:solidFill>
+                <a:effectLst/>
+                <a:latin typeface="+mn-lt"/>
+                <a:ea typeface="+mn-ea"/>
+                <a:cs typeface="+mn-cs"/>
+              </a:rPr>
+              <a:t>So, Git is a “version control system,” what’s that mean? When developers are creating something (an application, for example), they are making constant changes to the code and releasing new versions, up to and after the first official (non-beta) release.</a:t>
+            </a:r>
+          </a:p>
+          <a:p>
+            <a:r>
+              <a:rPr lang="en-CA" sz="1200" b="0" i="0" kern="1200" dirty="0">
+                <a:solidFill>
+                  <a:schemeClr val="tx1"/>
+                </a:solidFill>
+                <a:effectLst/>
+                <a:latin typeface="+mn-lt"/>
+                <a:ea typeface="+mn-ea"/>
+                <a:cs typeface="+mn-cs"/>
+              </a:rPr>
+              <a:t>Version control systems keep these revisions straight, and store the modifications in a central repository. This allows developers to easily collaborate, as they can download a new version of the software, make changes, and upload the newest revision. Every developer can see these new changes, download them, and contribute.</a:t>
+            </a:r>
+          </a:p>
+          <a:p>
+            <a:r>
+              <a:rPr lang="en-CA" sz="1200" b="0" i="0" kern="1200" dirty="0">
+                <a:solidFill>
+                  <a:schemeClr val="tx1"/>
+                </a:solidFill>
+                <a:effectLst/>
+                <a:latin typeface="+mn-lt"/>
+                <a:ea typeface="+mn-ea"/>
+                <a:cs typeface="+mn-cs"/>
+              </a:rPr>
+              <a:t>Similarly, people who have nothing to do with the development of a project can still download the files and use them. Most Linux users should be familiar with this process, as using Git, Subversion, or some other similar method is pretty common for downloading needed files, especially in preparation for compiling a program from source code (a rather common practice for Linux geeks).</a:t>
+            </a:r>
+          </a:p>
+          <a:p>
             <a:endParaRPr lang="en-CA" dirty="0"/>
           </a:p>
         </p:txBody>
@@ -560,7 +602,7 @@
           <a:p>
             <a:fld id="{82523EE4-A099-4F89-8558-FBB73B8A717D}" type="slidenum">
               <a:rPr lang="en-CA" smtClean="0"/>
-              <a:t>11</a:t>
+              <a:t>7</a:t>
             </a:fld>
             <a:endParaRPr lang="en-CA"/>
           </a:p>
@@ -569,7 +611,7 @@
     </p:spTree>
     <p:extLst>
       <p:ext uri="{BB962C8B-B14F-4D97-AF65-F5344CB8AC3E}">
-        <p14:creationId xmlns:p14="http://schemas.microsoft.com/office/powerpoint/2010/main" val="3299607741"/>
+        <p14:creationId xmlns:p14="http://schemas.microsoft.com/office/powerpoint/2010/main" val="2675015417"/>
       </p:ext>
     </p:extLst>
   </p:cSld>
@@ -623,48 +665,6 @@
           <a:bodyPr/>
           <a:lstStyle/>
           <a:p>
-            <a:r>
-              <a:rPr lang="en-CA" sz="1200" b="0" i="0" kern="1200" dirty="0">
-                <a:solidFill>
-                  <a:schemeClr val="tx1"/>
-                </a:solidFill>
-                <a:effectLst/>
-                <a:latin typeface="+mn-lt"/>
-                <a:ea typeface="+mn-ea"/>
-                <a:cs typeface="+mn-cs"/>
-              </a:rPr>
-              <a:t>So, Git is a “version control system,” what’s that mean? When developers are creating something (an application, for example), they are making constant changes to the code and releasing new versions, up to and after the first official (non-beta) release.</a:t>
-            </a:r>
-          </a:p>
-          <a:p>
-            <a:r>
-              <a:rPr lang="en-CA" sz="1200" b="0" i="0" kern="1200" dirty="0">
-                <a:solidFill>
-                  <a:schemeClr val="tx1"/>
-                </a:solidFill>
-                <a:effectLst/>
-                <a:latin typeface="+mn-lt"/>
-                <a:ea typeface="+mn-ea"/>
-                <a:cs typeface="+mn-cs"/>
-              </a:rPr>
-              <a:t>Version control systems keep these revisions straight, and store the modifications in a central repository. This allows developers to easily collaborate, as they can download a new version of the software, make changes, and upload the newest revision. Every developer can see these new changes, download them, and contribute.</a:t>
-            </a:r>
-          </a:p>
-          <a:p>
-            <a:r>
-              <a:rPr lang="en-CA" sz="1200" b="0" i="0" kern="1200" dirty="0">
-                <a:solidFill>
-                  <a:schemeClr val="tx1"/>
-                </a:solidFill>
-                <a:effectLst/>
-                <a:latin typeface="+mn-lt"/>
-                <a:ea typeface="+mn-ea"/>
-                <a:cs typeface="+mn-cs"/>
-              </a:rPr>
-              <a:t>Similarly, people who have nothing to do with the development of a project can still download the files and use them. Most Linux users should be familiar with this process, as using Git, Subversion, or some other similar method is pretty common for downloading needed files, especially in preparation for compiling a program from source code (a rather common practice for Linux geeks).</a:t>
-            </a:r>
-          </a:p>
-          <a:p>
             <a:endParaRPr lang="en-CA" dirty="0"/>
           </a:p>
         </p:txBody>
@@ -686,7 +686,7 @@
           <a:p>
             <a:fld id="{82523EE4-A099-4F89-8558-FBB73B8A717D}" type="slidenum">
               <a:rPr lang="en-CA" smtClean="0"/>
-              <a:t>17</a:t>
+              <a:t>13</a:t>
             </a:fld>
             <a:endParaRPr lang="en-CA"/>
           </a:p>
@@ -695,7 +695,7 @@
     </p:spTree>
     <p:extLst>
       <p:ext uri="{BB962C8B-B14F-4D97-AF65-F5344CB8AC3E}">
-        <p14:creationId xmlns:p14="http://schemas.microsoft.com/office/powerpoint/2010/main" val="2675015417"/>
+        <p14:creationId xmlns:p14="http://schemas.microsoft.com/office/powerpoint/2010/main" val="3299607741"/>
       </p:ext>
     </p:extLst>
   </p:cSld>
@@ -1041,7 +1041,7 @@
             <a:fld id="{5923F103-BC34-4FE4-A40E-EDDEECFDA5D0}" type="datetimeFigureOut">
               <a:rPr lang="en-US" dirty="0"/>
               <a:pPr/>
-              <a:t>9/30/2016</a:t>
+              <a:t>10/1/2016</a:t>
             </a:fld>
             <a:endParaRPr lang="en-US" dirty="0"/>
           </a:p>
@@ -2129,7 +2129,7 @@
           <a:p>
             <a:fld id="{923A1CC3-2375-41D4-9E03-427CAF2A4C1A}" type="datetimeFigureOut">
               <a:rPr lang="en-US" dirty="0"/>
-              <a:t>9/30/2016</a:t>
+              <a:t>10/1/2016</a:t>
             </a:fld>
             <a:endParaRPr lang="en-US" dirty="0"/>
           </a:p>
@@ -3109,7 +3109,7 @@
           <a:p>
             <a:fld id="{AFF16868-8199-4C2C-A5B1-63AEE139F88E}" type="datetimeFigureOut">
               <a:rPr lang="en-US" dirty="0"/>
-              <a:t>9/30/2016</a:t>
+              <a:t>10/1/2016</a:t>
             </a:fld>
             <a:endParaRPr lang="en-US" dirty="0"/>
           </a:p>
@@ -4243,7 +4243,7 @@
           <a:p>
             <a:fld id="{AAD9FF7F-6988-44CC-821B-644E70CD2F73}" type="datetimeFigureOut">
               <a:rPr lang="en-US" dirty="0"/>
-              <a:t>9/30/2016</a:t>
+              <a:t>10/1/2016</a:t>
             </a:fld>
             <a:endParaRPr lang="en-US" dirty="0"/>
           </a:p>
@@ -5276,7 +5276,7 @@
           <a:p>
             <a:fld id="{5C12C299-16B2-4475-990D-751901EACC14}" type="datetimeFigureOut">
               <a:rPr lang="en-US" dirty="0"/>
-              <a:t>9/30/2016</a:t>
+              <a:t>10/1/2016</a:t>
             </a:fld>
             <a:endParaRPr lang="en-US" dirty="0"/>
           </a:p>
@@ -5936,7 +5936,7 @@
           <a:p>
             <a:fld id="{9FE86839-B9D8-4651-8783-F325ECE74E65}" type="datetimeFigureOut">
               <a:rPr lang="en-US" dirty="0"/>
-              <a:t>9/30/2016</a:t>
+              <a:t>10/1/2016</a:t>
             </a:fld>
             <a:endParaRPr lang="en-US" dirty="0"/>
           </a:p>
@@ -6797,7 +6797,7 @@
           <a:p>
             <a:fld id="{FD484F64-32F6-45C5-931F-ADC1662401D0}" type="datetimeFigureOut">
               <a:rPr lang="en-US" dirty="0"/>
-              <a:t>9/30/2016</a:t>
+              <a:t>10/1/2016</a:t>
             </a:fld>
             <a:endParaRPr lang="en-US" dirty="0"/>
           </a:p>
@@ -6987,7 +6987,7 @@
           <a:p>
             <a:fld id="{53086D93-FCAC-47E0-A2EE-787E62CA814C}" type="datetimeFigureOut">
               <a:rPr lang="en-US" dirty="0"/>
-              <a:t>9/30/2016</a:t>
+              <a:t>10/1/2016</a:t>
             </a:fld>
             <a:endParaRPr lang="en-US" dirty="0"/>
           </a:p>
@@ -7959,7 +7959,7 @@
           <a:p>
             <a:fld id="{CDA879A6-0FD0-4734-A311-86BFCA472E6E}" type="datetimeFigureOut">
               <a:rPr lang="en-US" dirty="0"/>
-              <a:t>9/30/2016</a:t>
+              <a:t>10/1/2016</a:t>
             </a:fld>
             <a:endParaRPr lang="en-US" dirty="0"/>
           </a:p>
@@ -8170,7 +8170,7 @@
           <a:p>
             <a:fld id="{19C9CA7B-DFD4-44B5-8C60-D14B8CD1FB59}" type="datetimeFigureOut">
               <a:rPr lang="en-US" dirty="0"/>
-              <a:t>9/30/2016</a:t>
+              <a:t>10/1/2016</a:t>
             </a:fld>
             <a:endParaRPr lang="en-US" dirty="0"/>
           </a:p>
@@ -9204,7 +9204,7 @@
           <a:p>
             <a:fld id="{F34E6425-0181-43F2-84FC-787E803FD2F8}" type="datetimeFigureOut">
               <a:rPr lang="en-US" dirty="0"/>
-              <a:t>9/30/2016</a:t>
+              <a:t>10/1/2016</a:t>
             </a:fld>
             <a:endParaRPr lang="en-US" dirty="0"/>
           </a:p>
@@ -9476,7 +9476,7 @@
           <a:p>
             <a:fld id="{3BDB8791-F1B0-41E7-B7FD-A781E65C4266}" type="datetimeFigureOut">
               <a:rPr lang="en-US" dirty="0"/>
-              <a:t>9/30/2016</a:t>
+              <a:t>10/1/2016</a:t>
             </a:fld>
             <a:endParaRPr lang="en-US" dirty="0"/>
           </a:p>
@@ -9886,7 +9886,7 @@
           <a:p>
             <a:fld id="{5FDD63B2-E120-4ED8-B27B-C685F510A5FE}" type="datetimeFigureOut">
               <a:rPr lang="en-US" dirty="0"/>
-              <a:t>9/30/2016</a:t>
+              <a:t>10/1/2016</a:t>
             </a:fld>
             <a:endParaRPr lang="en-US" dirty="0"/>
           </a:p>
@@ -10013,7 +10013,7 @@
           <a:p>
             <a:fld id="{7AA18ACC-A947-437B-A130-35BD54FDF1E9}" type="datetimeFigureOut">
               <a:rPr lang="en-US" dirty="0"/>
-              <a:t>9/30/2016</a:t>
+              <a:t>10/1/2016</a:t>
             </a:fld>
             <a:endParaRPr lang="en-US" dirty="0"/>
           </a:p>
@@ -10108,7 +10108,7 @@
           <a:p>
             <a:fld id="{7C8D7E02-BCB8-4D50-A234-369438C08659}" type="datetimeFigureOut">
               <a:rPr lang="en-US" dirty="0"/>
-              <a:t>9/30/2016</a:t>
+              <a:t>10/1/2016</a:t>
             </a:fld>
             <a:endParaRPr lang="en-US" dirty="0"/>
           </a:p>
@@ -11189,7 +11189,7 @@
           <a:p>
             <a:fld id="{76E86A4C-8E40-4F87-A4F0-01A0687C5742}" type="datetimeFigureOut">
               <a:rPr lang="en-US" dirty="0"/>
-              <a:t>9/30/2016</a:t>
+              <a:t>10/1/2016</a:t>
             </a:fld>
             <a:endParaRPr lang="en-US" dirty="0"/>
           </a:p>
@@ -12297,7 +12297,7 @@
           <a:p>
             <a:fld id="{35E72C73-2D91-4E12-BA25-F0AA0C03599B}" type="datetimeFigureOut">
               <a:rPr lang="en-US" dirty="0"/>
-              <a:t>9/30/2016</a:t>
+              <a:t>10/1/2016</a:t>
             </a:fld>
             <a:endParaRPr lang="en-US" dirty="0"/>
           </a:p>
@@ -13294,7 +13294,7 @@
           <a:p>
             <a:fld id="{2BE451C3-0FF4-47C4-B829-773ADF60F88C}" type="datetimeFigureOut">
               <a:rPr lang="en-US" dirty="0"/>
-              <a:t>9/30/2016</a:t>
+              <a:t>10/1/2016</a:t>
             </a:fld>
             <a:endParaRPr lang="en-US" dirty="0"/>
           </a:p>
@@ -13946,15 +13946,324 @@
           <a:lstStyle/>
           <a:p>
             <a:r>
+              <a:rPr lang="en-CA" b="1" dirty="0"/>
+              <a:t>Download Git Desktop</a:t>
+            </a:r>
+          </a:p>
+        </p:txBody>
+      </p:sp>
+      <p:sp>
+        <p:nvSpPr>
+          <p:cNvPr id="3" name="Content Placeholder 2"/>
+          <p:cNvSpPr>
+            <a:spLocks noGrp="1"/>
+          </p:cNvSpPr>
+          <p:nvPr>
+            <p:ph idx="1"/>
+          </p:nvPr>
+        </p:nvSpPr>
+        <p:spPr/>
+        <p:txBody>
+          <a:bodyPr/>
+          <a:lstStyle/>
+          <a:p>
+            <a:pPr fontAlgn="base"/>
+            <a:r>
               <a:rPr lang="en-CA" dirty="0"/>
+              <a:t>You can install GitHub Desktop on Microsoft Windows 7 or later .</a:t>
+            </a:r>
+          </a:p>
+          <a:p>
+            <a:pPr fontAlgn="base"/>
+            <a:r>
+              <a:rPr lang="en-CA" dirty="0"/>
+              <a:t>Visit the </a:t>
+            </a:r>
+            <a:r>
+              <a:rPr lang="en-CA" dirty="0">
+                <a:hlinkClick r:id="rId2"/>
+              </a:rPr>
+              <a:t>GitHub Desktop download page</a:t>
+            </a:r>
+            <a:r>
+              <a:rPr lang="en-CA" dirty="0"/>
+              <a:t>.</a:t>
+            </a:r>
+          </a:p>
+          <a:p>
+            <a:pPr fontAlgn="base"/>
+            <a:r>
+              <a:rPr lang="en-CA" dirty="0"/>
+              <a:t>Choose </a:t>
+            </a:r>
+            <a:r>
+              <a:rPr lang="en-CA" b="1" dirty="0"/>
+              <a:t>Download for Windows</a:t>
+            </a:r>
+            <a:r>
+              <a:rPr lang="en-CA" dirty="0"/>
+              <a:t>.</a:t>
+            </a:r>
+          </a:p>
+          <a:p>
+            <a:pPr fontAlgn="base"/>
+            <a:r>
+              <a:rPr lang="en-CA" dirty="0"/>
+              <a:t>In your computer's </a:t>
+            </a:r>
+            <a:r>
+              <a:rPr lang="en-CA" b="1" dirty="0"/>
+              <a:t>Downloads</a:t>
+            </a:r>
+            <a:r>
+              <a:rPr lang="en-CA" dirty="0"/>
+              <a:t> folder, double-click </a:t>
+            </a:r>
+            <a:r>
+              <a:rPr lang="en-CA" b="1" dirty="0"/>
+              <a:t>GitHub Desktop</a:t>
+            </a:r>
+            <a:r>
+              <a:rPr lang="en-CA" dirty="0"/>
+              <a:t>.</a:t>
+            </a:r>
+          </a:p>
+          <a:p>
+            <a:pPr fontAlgn="base"/>
+            <a:r>
+              <a:rPr lang="en-CA" dirty="0"/>
+              <a:t>In the pop-up window, click </a:t>
+            </a:r>
+            <a:r>
+              <a:rPr lang="en-CA" b="1" dirty="0"/>
+              <a:t>Install</a:t>
+            </a:r>
+            <a:r>
+              <a:rPr lang="en-CA" dirty="0"/>
+              <a:t>.</a:t>
+            </a:r>
+          </a:p>
+          <a:p>
+            <a:pPr fontAlgn="base"/>
+            <a:r>
+              <a:rPr lang="en-CA" dirty="0"/>
+              <a:t>After the program has been installed, click </a:t>
+            </a:r>
+            <a:r>
+              <a:rPr lang="en-CA" b="1" dirty="0"/>
+              <a:t>Run</a:t>
+            </a:r>
+            <a:r>
+              <a:rPr lang="en-CA" dirty="0"/>
+              <a:t>.</a:t>
+            </a:r>
+          </a:p>
+          <a:p>
+            <a:endParaRPr lang="en-CA" dirty="0"/>
+          </a:p>
+        </p:txBody>
+      </p:sp>
+    </p:spTree>
+    <p:extLst>
+      <p:ext uri="{BB962C8B-B14F-4D97-AF65-F5344CB8AC3E}">
+        <p14:creationId xmlns:p14="http://schemas.microsoft.com/office/powerpoint/2010/main" val="123383944"/>
+      </p:ext>
+    </p:extLst>
+  </p:cSld>
+  <p:clrMapOvr>
+    <a:masterClrMapping/>
+  </p:clrMapOvr>
+</p:sld>
+</file>
+
+<file path=ppt/slides/slide11.xml><?xml version="1.0" encoding="utf-8"?>
+<p:sld xmlns:a="http://schemas.openxmlformats.org/drawingml/2006/main" xmlns:r="http://schemas.openxmlformats.org/officeDocument/2006/relationships" xmlns:p="http://schemas.openxmlformats.org/presentationml/2006/main">
+  <p:cSld>
+    <p:spTree>
+      <p:nvGrpSpPr>
+        <p:cNvPr id="1" name=""/>
+        <p:cNvGrpSpPr/>
+        <p:nvPr/>
+      </p:nvGrpSpPr>
+      <p:grpSpPr>
+        <a:xfrm>
+          <a:off x="0" y="0"/>
+          <a:ext cx="0" cy="0"/>
+          <a:chOff x="0" y="0"/>
+          <a:chExt cx="0" cy="0"/>
+        </a:xfrm>
+      </p:grpSpPr>
+      <p:sp>
+        <p:nvSpPr>
+          <p:cNvPr id="2" name="Title 1"/>
+          <p:cNvSpPr>
+            <a:spLocks noGrp="1"/>
+          </p:cNvSpPr>
+          <p:nvPr>
+            <p:ph type="title"/>
+          </p:nvPr>
+        </p:nvSpPr>
+        <p:spPr/>
+        <p:txBody>
+          <a:bodyPr/>
+          <a:lstStyle/>
+          <a:p>
+            <a:r>
+              <a:rPr lang="en-CA" b="1" dirty="0"/>
               <a:t>Setup </a:t>
             </a:r>
             <a:r>
-              <a:rPr lang="en-CA" dirty="0" err="1"/>
+              <a:rPr lang="en-CA" b="1" dirty="0" err="1"/>
               <a:t>Github</a:t>
             </a:r>
             <a:r>
-              <a:rPr lang="en-CA" dirty="0"/>
+              <a:rPr lang="en-CA" b="1" dirty="0"/>
+              <a:t> Desktop</a:t>
+            </a:r>
+          </a:p>
+        </p:txBody>
+      </p:sp>
+      <p:sp>
+        <p:nvSpPr>
+          <p:cNvPr id="3" name="Content Placeholder 2"/>
+          <p:cNvSpPr>
+            <a:spLocks noGrp="1"/>
+          </p:cNvSpPr>
+          <p:nvPr>
+            <p:ph idx="1"/>
+          </p:nvPr>
+        </p:nvSpPr>
+        <p:spPr>
+          <a:xfrm>
+            <a:off x="819912" y="2506662"/>
+            <a:ext cx="5184913" cy="4351338"/>
+          </a:xfrm>
+        </p:spPr>
+        <p:txBody>
+          <a:bodyPr/>
+          <a:lstStyle/>
+          <a:p>
+            <a:r>
+              <a:rPr lang="en-CA" b="1" dirty="0"/>
+              <a:t>Add your GitHub.com or GitHub Enterprise account information to GitHub Desktop so you can access your repositories.</a:t>
+            </a:r>
+          </a:p>
+          <a:p>
+            <a:pPr marL="0" indent="0">
+              <a:buNone/>
+            </a:pPr>
+            <a:r>
+              <a:rPr lang="en-CA" b="1" dirty="0"/>
+              <a:t>1. In the upper-right corner of the app, click on the settings icon.</a:t>
+            </a:r>
+          </a:p>
+          <a:p>
+            <a:pPr marL="0" indent="0">
+              <a:buNone/>
+            </a:pPr>
+            <a:r>
+              <a:rPr lang="en-CA" b="1" dirty="0"/>
+              <a:t>2. Choose options</a:t>
+            </a:r>
+          </a:p>
+        </p:txBody>
+      </p:sp>
+      <p:pic>
+        <p:nvPicPr>
+          <p:cNvPr id="1031" name="Picture 7" descr="The Options value in the Settings drop-down menu"/>
+          <p:cNvPicPr>
+            <a:picLocks noChangeAspect="1" noChangeArrowheads="1"/>
+          </p:cNvPicPr>
+          <p:nvPr/>
+        </p:nvPicPr>
+        <p:blipFill>
+          <a:blip r:embed="rId2">
+            <a:extLst>
+              <a:ext uri="{28A0092B-C50C-407E-A947-70E740481C1C}">
+                <a14:useLocalDpi xmlns:a14="http://schemas.microsoft.com/office/drawing/2010/main" val="0"/>
+              </a:ext>
+            </a:extLst>
+          </a:blip>
+          <a:srcRect/>
+          <a:stretch>
+            <a:fillRect/>
+          </a:stretch>
+        </p:blipFill>
+        <p:spPr bwMode="auto">
+          <a:xfrm>
+            <a:off x="6623298" y="1320731"/>
+            <a:ext cx="4913382" cy="5361126"/>
+          </a:xfrm>
+          <a:prstGeom prst="rect">
+            <a:avLst/>
+          </a:prstGeom>
+          <a:noFill/>
+          <a:extLst>
+            <a:ext uri="{909E8E84-426E-40DD-AFC4-6F175D3DCCD1}">
+              <a14:hiddenFill xmlns:a14="http://schemas.microsoft.com/office/drawing/2010/main">
+                <a:solidFill>
+                  <a:srgbClr val="FFFFFF"/>
+                </a:solidFill>
+              </a14:hiddenFill>
+            </a:ext>
+          </a:extLst>
+        </p:spPr>
+      </p:pic>
+    </p:spTree>
+    <p:extLst>
+      <p:ext uri="{BB962C8B-B14F-4D97-AF65-F5344CB8AC3E}">
+        <p14:creationId xmlns:p14="http://schemas.microsoft.com/office/powerpoint/2010/main" val="2203692107"/>
+      </p:ext>
+    </p:extLst>
+  </p:cSld>
+  <p:clrMapOvr>
+    <a:masterClrMapping/>
+  </p:clrMapOvr>
+</p:sld>
+</file>
+
+<file path=ppt/slides/slide12.xml><?xml version="1.0" encoding="utf-8"?>
+<p:sld xmlns:a="http://schemas.openxmlformats.org/drawingml/2006/main" xmlns:r="http://schemas.openxmlformats.org/officeDocument/2006/relationships" xmlns:p="http://schemas.openxmlformats.org/presentationml/2006/main">
+  <p:cSld>
+    <p:spTree>
+      <p:nvGrpSpPr>
+        <p:cNvPr id="1" name=""/>
+        <p:cNvGrpSpPr/>
+        <p:nvPr/>
+      </p:nvGrpSpPr>
+      <p:grpSpPr>
+        <a:xfrm>
+          <a:off x="0" y="0"/>
+          <a:ext cx="0" cy="0"/>
+          <a:chOff x="0" y="0"/>
+          <a:chExt cx="0" cy="0"/>
+        </a:xfrm>
+      </p:grpSpPr>
+      <p:sp>
+        <p:nvSpPr>
+          <p:cNvPr id="2" name="Title 1"/>
+          <p:cNvSpPr>
+            <a:spLocks noGrp="1"/>
+          </p:cNvSpPr>
+          <p:nvPr>
+            <p:ph type="title"/>
+          </p:nvPr>
+        </p:nvSpPr>
+        <p:spPr/>
+        <p:txBody>
+          <a:bodyPr/>
+          <a:lstStyle/>
+          <a:p>
+            <a:r>
+              <a:rPr lang="en-CA" b="1" dirty="0"/>
+              <a:t>Setup </a:t>
+            </a:r>
+            <a:r>
+              <a:rPr lang="en-CA" b="1" dirty="0" err="1"/>
+              <a:t>Github</a:t>
+            </a:r>
+            <a:r>
+              <a:rPr lang="en-CA" b="1" dirty="0"/>
               <a:t> Desktop</a:t>
             </a:r>
           </a:p>
@@ -14163,7 +14472,7 @@
 </p:sld>
 </file>
 
-<file path=ppt/slides/slide11.xml><?xml version="1.0" encoding="utf-8"?>
+<file path=ppt/slides/slide13.xml><?xml version="1.0" encoding="utf-8"?>
 <p:sld xmlns:a="http://schemas.openxmlformats.org/drawingml/2006/main" xmlns:r="http://schemas.openxmlformats.org/officeDocument/2006/relationships" xmlns:p="http://schemas.openxmlformats.org/presentationml/2006/main">
   <p:cSld>
     <p:spTree>
@@ -14261,7 +14570,7 @@
 </p:sld>
 </file>
 
-<file path=ppt/slides/slide12.xml><?xml version="1.0" encoding="utf-8"?>
+<file path=ppt/slides/slide14.xml><?xml version="1.0" encoding="utf-8"?>
 <p:sld xmlns:a="http://schemas.openxmlformats.org/drawingml/2006/main" xmlns:r="http://schemas.openxmlformats.org/officeDocument/2006/relationships" xmlns:p="http://schemas.openxmlformats.org/presentationml/2006/main">
   <p:cSld>
     <p:spTree>
@@ -14370,7 +14679,7 @@
 </p:sld>
 </file>
 
-<file path=ppt/slides/slide13.xml><?xml version="1.0" encoding="utf-8"?>
+<file path=ppt/slides/slide15.xml><?xml version="1.0" encoding="utf-8"?>
 <p:sld xmlns:a="http://schemas.openxmlformats.org/drawingml/2006/main" xmlns:r="http://schemas.openxmlformats.org/officeDocument/2006/relationships" xmlns:p="http://schemas.openxmlformats.org/presentationml/2006/main">
   <p:cSld>
     <p:spTree>
@@ -14565,7 +14874,7 @@
 </p:sld>
 </file>
 
-<file path=ppt/slides/slide14.xml><?xml version="1.0" encoding="utf-8"?>
+<file path=ppt/slides/slide16.xml><?xml version="1.0" encoding="utf-8"?>
 <p:sld xmlns:a="http://schemas.openxmlformats.org/drawingml/2006/main" xmlns:r="http://schemas.openxmlformats.org/officeDocument/2006/relationships" xmlns:p="http://schemas.openxmlformats.org/presentationml/2006/main">
   <p:cSld>
     <p:spTree>
@@ -14727,7 +15036,7 @@
 </p:sld>
 </file>
 
-<file path=ppt/slides/slide15.xml><?xml version="1.0" encoding="utf-8"?>
+<file path=ppt/slides/slide17.xml><?xml version="1.0" encoding="utf-8"?>
 <p:sld xmlns:a="http://schemas.openxmlformats.org/drawingml/2006/main" xmlns:r="http://schemas.openxmlformats.org/officeDocument/2006/relationships" xmlns:p="http://schemas.openxmlformats.org/presentationml/2006/main">
   <p:cSld>
     <p:spTree>
@@ -14889,7 +15198,7 @@
 </p:sld>
 </file>
 
-<file path=ppt/slides/slide16.xml><?xml version="1.0" encoding="utf-8"?>
+<file path=ppt/slides/slide18.xml><?xml version="1.0" encoding="utf-8"?>
 <p:sld xmlns:a="http://schemas.openxmlformats.org/drawingml/2006/main" xmlns:r="http://schemas.openxmlformats.org/officeDocument/2006/relationships" xmlns:p="http://schemas.openxmlformats.org/presentationml/2006/main">
   <p:cSld>
     <p:spTree>
@@ -15025,257 +15334,6 @@
     <p:extLst>
       <p:ext uri="{BB962C8B-B14F-4D97-AF65-F5344CB8AC3E}">
         <p14:creationId xmlns:p14="http://schemas.microsoft.com/office/powerpoint/2010/main" val="1501132365"/>
-      </p:ext>
-    </p:extLst>
-  </p:cSld>
-  <p:clrMapOvr>
-    <a:masterClrMapping/>
-  </p:clrMapOvr>
-</p:sld>
-</file>
-
-<file path=ppt/slides/slide17.xml><?xml version="1.0" encoding="utf-8"?>
-<p:sld xmlns:a="http://schemas.openxmlformats.org/drawingml/2006/main" xmlns:r="http://schemas.openxmlformats.org/officeDocument/2006/relationships" xmlns:p="http://schemas.openxmlformats.org/presentationml/2006/main">
-  <p:cSld>
-    <p:spTree>
-      <p:nvGrpSpPr>
-        <p:cNvPr id="1" name=""/>
-        <p:cNvGrpSpPr/>
-        <p:nvPr/>
-      </p:nvGrpSpPr>
-      <p:grpSpPr>
-        <a:xfrm>
-          <a:off x="0" y="0"/>
-          <a:ext cx="0" cy="0"/>
-          <a:chOff x="0" y="0"/>
-          <a:chExt cx="0" cy="0"/>
-        </a:xfrm>
-      </p:grpSpPr>
-      <p:sp>
-        <p:nvSpPr>
-          <p:cNvPr id="2" name="Title 1"/>
-          <p:cNvSpPr>
-            <a:spLocks noGrp="1"/>
-          </p:cNvSpPr>
-          <p:nvPr>
-            <p:ph type="title"/>
-          </p:nvPr>
-        </p:nvSpPr>
-        <p:spPr/>
-        <p:txBody>
-          <a:bodyPr/>
-          <a:lstStyle/>
-          <a:p>
-            <a:r>
-              <a:rPr lang="en-CA" dirty="0"/>
-              <a:t>To get started, we will first learn Git</a:t>
-            </a:r>
-          </a:p>
-        </p:txBody>
-      </p:sp>
-      <p:sp>
-        <p:nvSpPr>
-          <p:cNvPr id="3" name="Content Placeholder 2"/>
-          <p:cNvSpPr>
-            <a:spLocks noGrp="1"/>
-          </p:cNvSpPr>
-          <p:nvPr>
-            <p:ph idx="1"/>
-          </p:nvPr>
-        </p:nvSpPr>
-        <p:spPr/>
-        <p:txBody>
-          <a:bodyPr/>
-          <a:lstStyle/>
-          <a:p>
-            <a:r>
-              <a:rPr lang="en-CA" dirty="0"/>
-              <a:t>What is Git?</a:t>
-            </a:r>
-          </a:p>
-          <a:p>
-            <a:pPr lvl="1"/>
-            <a:r>
-              <a:rPr lang="en-CA" dirty="0"/>
-              <a:t>Git is a Version Control software</a:t>
-            </a:r>
-          </a:p>
-          <a:p>
-            <a:pPr lvl="1"/>
-            <a:r>
-              <a:rPr lang="en-CA" dirty="0"/>
-              <a:t>Simple way to upload your files to the internet</a:t>
-            </a:r>
-          </a:p>
-          <a:p>
-            <a:pPr lvl="1"/>
-            <a:r>
-              <a:rPr lang="en-CA" dirty="0"/>
-              <a:t>Useful for collaborations on a project </a:t>
-            </a:r>
-          </a:p>
-          <a:p>
-            <a:endParaRPr lang="en-CA" dirty="0"/>
-          </a:p>
-          <a:p>
-            <a:r>
-              <a:rPr lang="en-CA" dirty="0"/>
-              <a:t>Download Git:</a:t>
-            </a:r>
-          </a:p>
-          <a:p>
-            <a:pPr lvl="1"/>
-            <a:r>
-              <a:rPr lang="en-CA" dirty="0"/>
-              <a:t>git-scm.com</a:t>
-            </a:r>
-          </a:p>
-        </p:txBody>
-      </p:sp>
-      <p:pic>
-        <p:nvPicPr>
-          <p:cNvPr id="1026" name="Picture 2" descr="http://media.w3guy.com/wp-content/uploads/2015/02/git.jpg"/>
-          <p:cNvPicPr>
-            <a:picLocks noChangeAspect="1" noChangeArrowheads="1"/>
-          </p:cNvPicPr>
-          <p:nvPr/>
-        </p:nvPicPr>
-        <p:blipFill>
-          <a:blip r:embed="rId3">
-            <a:extLst>
-              <a:ext uri="{28A0092B-C50C-407E-A947-70E740481C1C}">
-                <a14:useLocalDpi xmlns:a14="http://schemas.microsoft.com/office/drawing/2010/main" val="0"/>
-              </a:ext>
-            </a:extLst>
-          </a:blip>
-          <a:srcRect/>
-          <a:stretch>
-            <a:fillRect/>
-          </a:stretch>
-        </p:blipFill>
-        <p:spPr bwMode="auto">
-          <a:xfrm>
-            <a:off x="8629873" y="2260242"/>
-            <a:ext cx="2857500" cy="2857500"/>
-          </a:xfrm>
-          <a:prstGeom prst="rect">
-            <a:avLst/>
-          </a:prstGeom>
-          <a:noFill/>
-          <a:extLst>
-            <a:ext uri="{909E8E84-426E-40DD-AFC4-6F175D3DCCD1}">
-              <a14:hiddenFill xmlns:a14="http://schemas.microsoft.com/office/drawing/2010/main">
-                <a:solidFill>
-                  <a:srgbClr val="FFFFFF"/>
-                </a:solidFill>
-              </a14:hiddenFill>
-            </a:ext>
-          </a:extLst>
-        </p:spPr>
-      </p:pic>
-    </p:spTree>
-    <p:extLst>
-      <p:ext uri="{BB962C8B-B14F-4D97-AF65-F5344CB8AC3E}">
-        <p14:creationId xmlns:p14="http://schemas.microsoft.com/office/powerpoint/2010/main" val="545934995"/>
-      </p:ext>
-    </p:extLst>
-  </p:cSld>
-  <p:clrMapOvr>
-    <a:masterClrMapping/>
-  </p:clrMapOvr>
-</p:sld>
-</file>
-
-<file path=ppt/slides/slide18.xml><?xml version="1.0" encoding="utf-8"?>
-<p:sld xmlns:a="http://schemas.openxmlformats.org/drawingml/2006/main" xmlns:r="http://schemas.openxmlformats.org/officeDocument/2006/relationships" xmlns:p="http://schemas.openxmlformats.org/presentationml/2006/main">
-  <p:cSld>
-    <p:spTree>
-      <p:nvGrpSpPr>
-        <p:cNvPr id="1" name=""/>
-        <p:cNvGrpSpPr/>
-        <p:nvPr/>
-      </p:nvGrpSpPr>
-      <p:grpSpPr>
-        <a:xfrm>
-          <a:off x="0" y="0"/>
-          <a:ext cx="0" cy="0"/>
-          <a:chOff x="0" y="0"/>
-          <a:chExt cx="0" cy="0"/>
-        </a:xfrm>
-      </p:grpSpPr>
-      <p:sp>
-        <p:nvSpPr>
-          <p:cNvPr id="2" name="Title 1"/>
-          <p:cNvSpPr>
-            <a:spLocks noGrp="1"/>
-          </p:cNvSpPr>
-          <p:nvPr>
-            <p:ph type="title"/>
-          </p:nvPr>
-        </p:nvSpPr>
-        <p:spPr/>
-        <p:txBody>
-          <a:bodyPr/>
-          <a:lstStyle/>
-          <a:p>
-            <a:r>
-              <a:rPr lang="en-CA" dirty="0"/>
-              <a:t>More about git</a:t>
-            </a:r>
-          </a:p>
-        </p:txBody>
-      </p:sp>
-      <p:sp>
-        <p:nvSpPr>
-          <p:cNvPr id="3" name="Content Placeholder 2"/>
-          <p:cNvSpPr>
-            <a:spLocks noGrp="1"/>
-          </p:cNvSpPr>
-          <p:nvPr>
-            <p:ph idx="1"/>
-          </p:nvPr>
-        </p:nvSpPr>
-        <p:spPr/>
-        <p:txBody>
-          <a:bodyPr/>
-          <a:lstStyle/>
-          <a:p>
-            <a:r>
-              <a:rPr lang="en-US" altLang="ko-KR" dirty="0"/>
-              <a:t>Version control</a:t>
-            </a:r>
-          </a:p>
-          <a:p>
-            <a:pPr lvl="1"/>
-            <a:r>
-              <a:rPr lang="en-US" altLang="ko-KR" dirty="0" err="1"/>
-              <a:t>Git</a:t>
-            </a:r>
-            <a:r>
-              <a:rPr lang="en-US" altLang="ko-KR" dirty="0"/>
-              <a:t> projects are called a Repository (Repo)</a:t>
-            </a:r>
-          </a:p>
-          <a:p>
-            <a:pPr lvl="1"/>
-            <a:r>
-              <a:rPr lang="en-US" altLang="ko-KR" dirty="0"/>
-              <a:t>Development can be reverted to a previous state</a:t>
-            </a:r>
-          </a:p>
-          <a:p>
-            <a:pPr lvl="1"/>
-            <a:r>
-              <a:rPr lang="en-US" altLang="ko-KR" dirty="0"/>
-              <a:t>Since it allowing merging, multiple people can work at once on the same codebase</a:t>
-            </a:r>
-          </a:p>
-        </p:txBody>
-      </p:sp>
-    </p:spTree>
-    <p:extLst>
-      <p:ext uri="{BB962C8B-B14F-4D97-AF65-F5344CB8AC3E}">
-        <p14:creationId xmlns:p14="http://schemas.microsoft.com/office/powerpoint/2010/main" val="1213800638"/>
       </p:ext>
     </p:extLst>
   </p:cSld>
@@ -17505,6 +17563,30 @@
           </a:extLst>
         </p:spPr>
       </p:pic>
+      <p:pic>
+        <p:nvPicPr>
+          <p:cNvPr id="6" name="Picture 5"/>
+          <p:cNvPicPr>
+            <a:picLocks noChangeAspect="1"/>
+          </p:cNvPicPr>
+          <p:nvPr/>
+        </p:nvPicPr>
+        <p:blipFill>
+          <a:blip r:embed="rId3"/>
+          <a:stretch>
+            <a:fillRect/>
+          </a:stretch>
+        </p:blipFill>
+        <p:spPr>
+          <a:xfrm>
+            <a:off x="7772400" y="2366010"/>
+            <a:ext cx="3097530" cy="4002794"/>
+          </a:xfrm>
+          <a:prstGeom prst="rect">
+            <a:avLst/>
+          </a:prstGeom>
+        </p:spPr>
+      </p:pic>
     </p:spTree>
     <p:extLst>
       <p:ext uri="{BB962C8B-B14F-4D97-AF65-F5344CB8AC3E}">
@@ -18574,10 +18656,9 @@
           <a:lstStyle/>
           <a:p>
             <a:r>
-              <a:rPr lang="en-CA" dirty="0" err="1"/>
-              <a:t>Github</a:t>
-            </a:r>
-            <a:endParaRPr lang="en-CA" dirty="0"/>
+              <a:rPr lang="en-CA" b="1" dirty="0"/>
+              <a:t>To get started, we will first learn Git</a:t>
+            </a:r>
           </a:p>
         </p:txBody>
       </p:sp>
@@ -18591,43 +18672,105 @@
             <p:ph idx="1"/>
           </p:nvPr>
         </p:nvSpPr>
-        <p:spPr/>
+        <p:spPr>
+          <a:xfrm>
+            <a:off x="514875" y="2614930"/>
+            <a:ext cx="7989046" cy="3416300"/>
+          </a:xfrm>
+        </p:spPr>
         <p:txBody>
           <a:bodyPr/>
           <a:lstStyle/>
           <a:p>
             <a:r>
-              <a:rPr lang="en-CA" dirty="0"/>
-              <a:t>GitHub is a code hosting platform for version control and collaboration. It lets you and others work together on projects from anywhere.</a:t>
-            </a:r>
-          </a:p>
-          <a:p>
-            <a:r>
-              <a:rPr lang="en-CA" dirty="0"/>
-              <a:t>Create a </a:t>
-            </a:r>
-            <a:r>
-              <a:rPr lang="en-CA" dirty="0" err="1"/>
-              <a:t>github</a:t>
-            </a:r>
-            <a:r>
-              <a:rPr lang="en-CA" dirty="0"/>
-              <a:t> account for free:</a:t>
+              <a:rPr lang="en-CA" b="1" dirty="0"/>
+              <a:t>What is Git?</a:t>
             </a:r>
           </a:p>
           <a:p>
             <a:pPr lvl="1"/>
             <a:r>
-              <a:rPr lang="en-CA" dirty="0"/>
-              <a:t>Github.com</a:t>
+              <a:rPr lang="en-CA" b="1" dirty="0"/>
+              <a:t>Git is a Version Control software</a:t>
+            </a:r>
+          </a:p>
+          <a:p>
+            <a:pPr lvl="1"/>
+            <a:r>
+              <a:rPr lang="en-CA" b="1" dirty="0"/>
+              <a:t>Simple way to upload your files to the internet</a:t>
+            </a:r>
+          </a:p>
+          <a:p>
+            <a:pPr lvl="1"/>
+            <a:r>
+              <a:rPr lang="en-CA" b="1" dirty="0"/>
+              <a:t>Useful for collaborations on a project </a:t>
+            </a:r>
+          </a:p>
+          <a:p>
+            <a:endParaRPr lang="en-CA" b="1" dirty="0"/>
+          </a:p>
+          <a:p>
+            <a:r>
+              <a:rPr lang="en-CA" b="1" dirty="0"/>
+              <a:t>Download Git:</a:t>
+            </a:r>
+          </a:p>
+          <a:p>
+            <a:pPr lvl="1"/>
+            <a:r>
+              <a:rPr lang="en-CA" b="1" dirty="0"/>
+              <a:t>git-scm.com</a:t>
             </a:r>
           </a:p>
         </p:txBody>
       </p:sp>
+      <p:pic>
+        <p:nvPicPr>
+          <p:cNvPr id="1026" name="Picture 2" descr="http://media.w3guy.com/wp-content/uploads/2015/02/git.jpg"/>
+          <p:cNvPicPr>
+            <a:picLocks noChangeAspect="1" noChangeArrowheads="1"/>
+          </p:cNvPicPr>
+          <p:nvPr/>
+        </p:nvPicPr>
+        <p:blipFill>
+          <a:blip r:embed="rId3">
+            <a:extLst>
+              <a:ext uri="{28A0092B-C50C-407E-A947-70E740481C1C}">
+                <a14:useLocalDpi xmlns:a14="http://schemas.microsoft.com/office/drawing/2010/main" val="0"/>
+              </a:ext>
+            </a:extLst>
+          </a:blip>
+          <a:srcRect/>
+          <a:stretch>
+            <a:fillRect/>
+          </a:stretch>
+        </p:blipFill>
+        <p:spPr bwMode="auto">
+          <a:xfrm>
+            <a:off x="8629873" y="2260242"/>
+            <a:ext cx="2857500" cy="2857500"/>
+          </a:xfrm>
+          <a:prstGeom prst="rect">
+            <a:avLst/>
+          </a:prstGeom>
+          <a:noFill/>
+          <a:extLst>
+            <a:ext uri="{909E8E84-426E-40DD-AFC4-6F175D3DCCD1}">
+              <a14:hiddenFill xmlns:a14="http://schemas.microsoft.com/office/drawing/2010/main">
+                <a:solidFill>
+                  <a:srgbClr val="FFFFFF"/>
+                </a:solidFill>
+              </a14:hiddenFill>
+            </a:ext>
+          </a:extLst>
+        </p:spPr>
+      </p:pic>
     </p:spTree>
     <p:extLst>
       <p:ext uri="{BB962C8B-B14F-4D97-AF65-F5344CB8AC3E}">
-        <p14:creationId xmlns:p14="http://schemas.microsoft.com/office/powerpoint/2010/main" val="1313293864"/>
+        <p14:creationId xmlns:p14="http://schemas.microsoft.com/office/powerpoint/2010/main" val="545934995"/>
       </p:ext>
     </p:extLst>
   </p:cSld>
@@ -18670,8 +18813,8 @@
           <a:lstStyle/>
           <a:p>
             <a:r>
-              <a:rPr lang="en-CA" dirty="0"/>
-              <a:t>Download Git Desktop</a:t>
+              <a:rPr lang="en-CA" b="1" dirty="0"/>
+              <a:t>More about git</a:t>
             </a:r>
           </a:p>
         </p:txBody>
@@ -18691,106 +18834,42 @@
           <a:bodyPr/>
           <a:lstStyle/>
           <a:p>
-            <a:pPr fontAlgn="base"/>
-            <a:r>
-              <a:rPr lang="en-CA" dirty="0"/>
-              <a:t>You can install GitHub Desktop on Microsoft Windows 7 or later .</a:t>
-            </a:r>
-          </a:p>
-          <a:p>
-            <a:pPr fontAlgn="base"/>
-            <a:r>
-              <a:rPr lang="en-CA" dirty="0"/>
-              <a:t>Visit the </a:t>
-            </a:r>
-            <a:r>
-              <a:rPr lang="en-CA" dirty="0">
-                <a:hlinkClick r:id="rId2"/>
-              </a:rPr>
-              <a:t>GitHub Desktop download page</a:t>
-            </a:r>
-            <a:r>
-              <a:rPr lang="en-CA" dirty="0"/>
-              <a:t>.</a:t>
-            </a:r>
-          </a:p>
-          <a:p>
-            <a:pPr fontAlgn="base"/>
-            <a:r>
-              <a:rPr lang="en-CA" dirty="0"/>
-              <a:t>Choose </a:t>
-            </a:r>
-            <a:r>
-              <a:rPr lang="en-CA" b="1" dirty="0"/>
-              <a:t>Download for Windows</a:t>
-            </a:r>
-            <a:r>
-              <a:rPr lang="en-CA" dirty="0"/>
-              <a:t>.</a:t>
-            </a:r>
-          </a:p>
-          <a:p>
-            <a:pPr fontAlgn="base"/>
-            <a:r>
-              <a:rPr lang="en-CA" dirty="0"/>
-              <a:t>In your computer's </a:t>
-            </a:r>
-            <a:r>
-              <a:rPr lang="en-CA" b="1" dirty="0"/>
-              <a:t>Downloads</a:t>
-            </a:r>
-            <a:r>
-              <a:rPr lang="en-CA" dirty="0"/>
-              <a:t> folder, double-click </a:t>
-            </a:r>
-            <a:r>
-              <a:rPr lang="en-CA" b="1" dirty="0"/>
-              <a:t>GitHub Desktop</a:t>
-            </a:r>
-            <a:r>
-              <a:rPr lang="en-CA" dirty="0"/>
-              <a:t>.</a:t>
-            </a:r>
-          </a:p>
-          <a:p>
-            <a:pPr fontAlgn="base"/>
-            <a:r>
-              <a:rPr lang="en-CA" dirty="0"/>
-              <a:t>In the pop-up window, click </a:t>
-            </a:r>
-            <a:r>
-              <a:rPr lang="en-CA" b="1" dirty="0"/>
-              <a:t>Install</a:t>
-            </a:r>
-            <a:r>
-              <a:rPr lang="en-CA" dirty="0"/>
-              <a:t>.</a:t>
-            </a:r>
-          </a:p>
-          <a:p>
-            <a:pPr fontAlgn="base"/>
-            <a:r>
-              <a:rPr lang="en-CA" dirty="0"/>
-              <a:t>After the program has been installed, click </a:t>
-            </a:r>
-            <a:r>
-              <a:rPr lang="en-CA" b="1" dirty="0"/>
-              <a:t>Run</a:t>
-            </a:r>
-            <a:r>
-              <a:rPr lang="en-CA" dirty="0"/>
-              <a:t>.</a:t>
-            </a:r>
-          </a:p>
-          <a:p>
-            <a:endParaRPr lang="en-CA" dirty="0"/>
+            <a:r>
+              <a:rPr lang="en-US" altLang="ko-KR" b="1" dirty="0"/>
+              <a:t>Version control</a:t>
+            </a:r>
+          </a:p>
+          <a:p>
+            <a:pPr lvl="1"/>
+            <a:r>
+              <a:rPr lang="en-US" altLang="ko-KR" b="1" dirty="0" err="1"/>
+              <a:t>Git</a:t>
+            </a:r>
+            <a:r>
+              <a:rPr lang="en-US" altLang="ko-KR" b="1" dirty="0"/>
+              <a:t> projects are called a Repository (Repo)</a:t>
+            </a:r>
+          </a:p>
+          <a:p>
+            <a:pPr lvl="1"/>
+            <a:r>
+              <a:rPr lang="en-US" altLang="ko-KR" b="1" dirty="0"/>
+              <a:t>Development can be reverted to a previous state</a:t>
+            </a:r>
+          </a:p>
+          <a:p>
+            <a:pPr lvl="1"/>
+            <a:r>
+              <a:rPr lang="en-US" altLang="ko-KR" b="1" dirty="0"/>
+              <a:t>Since it allowing merging, multiple people can work at once on the same codebase</a:t>
+            </a:r>
           </a:p>
         </p:txBody>
       </p:sp>
     </p:spTree>
     <p:extLst>
       <p:ext uri="{BB962C8B-B14F-4D97-AF65-F5344CB8AC3E}">
-        <p14:creationId xmlns:p14="http://schemas.microsoft.com/office/powerpoint/2010/main" val="123383944"/>
+        <p14:creationId xmlns:p14="http://schemas.microsoft.com/office/powerpoint/2010/main" val="1213800638"/>
       </p:ext>
     </p:extLst>
   </p:cSld>
@@ -18833,17 +18912,10 @@
           <a:lstStyle/>
           <a:p>
             <a:r>
-              <a:rPr lang="en-CA" dirty="0"/>
-              <a:t>Setup </a:t>
-            </a:r>
-            <a:r>
-              <a:rPr lang="en-CA" dirty="0" err="1"/>
+              <a:rPr lang="en-CA" b="1" dirty="0" err="1"/>
               <a:t>Github</a:t>
             </a:r>
-            <a:r>
-              <a:rPr lang="en-CA" dirty="0"/>
-              <a:t> Desktop</a:t>
-            </a:r>
+            <a:endParaRPr lang="en-CA" b="1" dirty="0"/>
           </a:p>
         </p:txBody>
       </p:sp>
@@ -18857,86 +18929,43 @@
             <p:ph idx="1"/>
           </p:nvPr>
         </p:nvSpPr>
-        <p:spPr>
-          <a:xfrm>
-            <a:off x="819912" y="2506662"/>
-            <a:ext cx="5184913" cy="4351338"/>
-          </a:xfrm>
-        </p:spPr>
+        <p:spPr/>
         <p:txBody>
           <a:bodyPr/>
           <a:lstStyle/>
           <a:p>
             <a:r>
-              <a:rPr lang="en-CA" dirty="0"/>
-              <a:t>Add your GitHub.com or GitHub Enterprise account information to GitHub Desktop so you can access your repositories.</a:t>
-            </a:r>
-          </a:p>
-          <a:p>
-            <a:pPr marL="0" indent="0">
-              <a:buNone/>
-            </a:pPr>
-            <a:r>
-              <a:rPr lang="en-CA" dirty="0"/>
-              <a:t>1. In the upper-right corner of the app, click on the settings icon.</a:t>
-            </a:r>
-          </a:p>
-          <a:p>
-            <a:pPr marL="0" indent="0">
-              <a:buNone/>
-            </a:pPr>
-            <a:r>
-              <a:rPr lang="en-CA" dirty="0"/>
-              <a:t>2. Choose options</a:t>
+              <a:rPr lang="en-CA" b="1" dirty="0"/>
+              <a:t>GitHub is a code hosting platform for version control and collaboration. It lets you and others work together on projects from anywhere.</a:t>
+            </a:r>
+          </a:p>
+          <a:p>
+            <a:r>
+              <a:rPr lang="en-CA" b="1" dirty="0"/>
+              <a:t>Create a </a:t>
+            </a:r>
+            <a:r>
+              <a:rPr lang="en-CA" b="1" dirty="0" err="1"/>
+              <a:t>github</a:t>
+            </a:r>
+            <a:r>
+              <a:rPr lang="en-CA" b="1" dirty="0"/>
+              <a:t> account for free:</a:t>
+            </a:r>
+          </a:p>
+          <a:p>
+            <a:pPr lvl="1"/>
+            <a:r>
+              <a:rPr lang="en-CA" b="1" dirty="0"/>
+              <a:t>Github.com</a:t>
             </a:r>
           </a:p>
         </p:txBody>
       </p:sp>
-      <p:pic>
-        <p:nvPicPr>
-          <p:cNvPr id="1031" name="Picture 7" descr="The Options value in the Settings drop-down menu"/>
-          <p:cNvPicPr>
-            <a:picLocks noChangeAspect="1" noChangeArrowheads="1"/>
-          </p:cNvPicPr>
-          <p:nvPr/>
-        </p:nvPicPr>
-        <p:blipFill>
-          <a:blip r:embed="rId2">
-            <a:extLst>
-              <a:ext uri="{28A0092B-C50C-407E-A947-70E740481C1C}">
-                <a14:useLocalDpi xmlns:a14="http://schemas.microsoft.com/office/drawing/2010/main" val="0"/>
-              </a:ext>
-            </a:extLst>
-          </a:blip>
-          <a:srcRect/>
-          <a:stretch>
-            <a:fillRect/>
-          </a:stretch>
-        </p:blipFill>
-        <p:spPr bwMode="auto">
-          <a:xfrm>
-            <a:off x="6623298" y="1320731"/>
-            <a:ext cx="4913382" cy="5361126"/>
-          </a:xfrm>
-          <a:prstGeom prst="rect">
-            <a:avLst/>
-          </a:prstGeom>
-          <a:noFill/>
-          <a:extLst>
-            <a:ext uri="{909E8E84-426E-40DD-AFC4-6F175D3DCCD1}">
-              <a14:hiddenFill xmlns:a14="http://schemas.microsoft.com/office/drawing/2010/main">
-                <a:solidFill>
-                  <a:srgbClr val="FFFFFF"/>
-                </a:solidFill>
-              </a14:hiddenFill>
-            </a:ext>
-          </a:extLst>
-        </p:spPr>
-      </p:pic>
     </p:spTree>
     <p:extLst>
       <p:ext uri="{BB962C8B-B14F-4D97-AF65-F5344CB8AC3E}">
-        <p14:creationId xmlns:p14="http://schemas.microsoft.com/office/powerpoint/2010/main" val="2203692107"/>
+        <p14:creationId xmlns:p14="http://schemas.microsoft.com/office/powerpoint/2010/main" val="1313293864"/>
       </p:ext>
     </p:extLst>
   </p:cSld>
